--- a/Tue-Thr/DS-Day-05 R.pptx
+++ b/Tue-Thr/DS-Day-05 R.pptx
@@ -5,14 +5,13 @@
     <p:sldMasterId id="2147483781" r:id="rId1"/>
   </p:sldMasterIdLst>
   <p:notesMasterIdLst>
-    <p:notesMasterId r:id="rId7"/>
+    <p:notesMasterId r:id="rId6"/>
   </p:notesMasterIdLst>
   <p:sldIdLst>
     <p:sldId id="279" r:id="rId2"/>
     <p:sldId id="280" r:id="rId3"/>
     <p:sldId id="282" r:id="rId4"/>
     <p:sldId id="283" r:id="rId5"/>
-    <p:sldId id="281" r:id="rId6"/>
   </p:sldIdLst>
   <p:sldSz cx="9144000" cy="6858000" type="screen4x3"/>
   <p:notesSz cx="6858000" cy="9144000"/>
@@ -201,7 +200,7 @@
           <a:p>
             <a:fld id="{22783AA6-C1EF-448D-A48A-EF30DCBEFCCC}" type="datetimeFigureOut">
               <a:rPr lang="en-US" smtClean="0"/>
-              <a:t>10/3/2018</a:t>
+              <a:t>10/4/2018</a:t>
             </a:fld>
             <a:endParaRPr lang="en-US"/>
           </a:p>
@@ -775,108 +774,6 @@
 </p:notes>
 </file>
 
-<file path=ppt/notesSlides/notesSlide4.xml><?xml version="1.0" encoding="utf-8"?>
-<p:notes xmlns:a="http://schemas.openxmlformats.org/drawingml/2006/main" xmlns:r="http://schemas.openxmlformats.org/officeDocument/2006/relationships" xmlns:p="http://schemas.openxmlformats.org/presentationml/2006/main">
-  <p:cSld>
-    <p:spTree>
-      <p:nvGrpSpPr>
-        <p:cNvPr id="1" name=""/>
-        <p:cNvGrpSpPr/>
-        <p:nvPr/>
-      </p:nvGrpSpPr>
-      <p:grpSpPr>
-        <a:xfrm>
-          <a:off x="0" y="0"/>
-          <a:ext cx="0" cy="0"/>
-          <a:chOff x="0" y="0"/>
-          <a:chExt cx="0" cy="0"/>
-        </a:xfrm>
-      </p:grpSpPr>
-      <p:sp>
-        <p:nvSpPr>
-          <p:cNvPr id="2" name="Образ слайда 1"/>
-          <p:cNvSpPr>
-            <a:spLocks noGrp="1" noRot="1" noChangeAspect="1"/>
-          </p:cNvSpPr>
-          <p:nvPr>
-            <p:ph type="sldImg"/>
-          </p:nvPr>
-        </p:nvSpPr>
-        <p:spPr>
-          <a:xfrm>
-            <a:off x="896938" y="746125"/>
-            <a:ext cx="4967287" cy="3727450"/>
-          </a:xfrm>
-        </p:spPr>
-      </p:sp>
-      <p:sp>
-        <p:nvSpPr>
-          <p:cNvPr id="3" name="Заметки 2"/>
-          <p:cNvSpPr>
-            <a:spLocks noGrp="1"/>
-          </p:cNvSpPr>
-          <p:nvPr>
-            <p:ph type="body" idx="1"/>
-          </p:nvPr>
-        </p:nvSpPr>
-        <p:spPr/>
-        <p:txBody>
-          <a:bodyPr>
-            <a:normAutofit/>
-          </a:bodyPr>
-          <a:lstStyle/>
-          <a:p>
-            <a:endParaRPr lang="ru-RU" sz="1400" dirty="0">
-              <a:latin typeface="+mn-lt"/>
-            </a:endParaRPr>
-          </a:p>
-        </p:txBody>
-      </p:sp>
-      <p:sp>
-        <p:nvSpPr>
-          <p:cNvPr id="4" name="Номер слайда 3"/>
-          <p:cNvSpPr>
-            <a:spLocks noGrp="1"/>
-          </p:cNvSpPr>
-          <p:nvPr>
-            <p:ph type="sldNum" sz="quarter" idx="10"/>
-          </p:nvPr>
-        </p:nvSpPr>
-        <p:spPr/>
-        <p:txBody>
-          <a:bodyPr/>
-          <a:lstStyle/>
-          <a:p>
-            <a:fld id="{A868C670-7DD8-483E-B635-2FC3EA348D84}" type="slidenum">
-              <a:rPr lang="ru-RU" smtClean="0">
-                <a:solidFill>
-                  <a:prstClr val="black"/>
-                </a:solidFill>
-              </a:rPr>
-              <a:pPr/>
-              <a:t>5</a:t>
-            </a:fld>
-            <a:endParaRPr lang="ru-RU">
-              <a:solidFill>
-                <a:prstClr val="black"/>
-              </a:solidFill>
-            </a:endParaRPr>
-          </a:p>
-        </p:txBody>
-      </p:sp>
-    </p:spTree>
-    <p:extLst>
-      <p:ext uri="{BB962C8B-B14F-4D97-AF65-F5344CB8AC3E}">
-        <p14:creationId xmlns:p14="http://schemas.microsoft.com/office/powerpoint/2010/main" val="31091621"/>
-      </p:ext>
-    </p:extLst>
-  </p:cSld>
-  <p:clrMapOvr>
-    <a:masterClrMapping/>
-  </p:clrMapOvr>
-</p:notes>
-</file>
-
 <file path=ppt/slideLayouts/slideLayout1.xml><?xml version="1.0" encoding="utf-8"?>
 <p:sldLayout xmlns:a="http://schemas.openxmlformats.org/drawingml/2006/main" xmlns:r="http://schemas.openxmlformats.org/officeDocument/2006/relationships" xmlns:p="http://schemas.openxmlformats.org/presentationml/2006/main" type="title" preserve="1">
   <p:cSld name="Титульный слайд">
@@ -1019,7 +916,7 @@
           <a:p>
             <a:fld id="{C14F4D0B-68E4-4C14-BD4D-319F9BD213A3}" type="datetimeFigureOut">
               <a:rPr lang="ru-RU" smtClean="0"/>
-              <a:t>03.10.2018</a:t>
+              <a:t>04.10.2018</a:t>
             </a:fld>
             <a:endParaRPr lang="ru-RU"/>
           </a:p>
@@ -1189,7 +1086,7 @@
           <a:p>
             <a:fld id="{C14F4D0B-68E4-4C14-BD4D-319F9BD213A3}" type="datetimeFigureOut">
               <a:rPr lang="ru-RU" smtClean="0"/>
-              <a:t>03.10.2018</a:t>
+              <a:t>04.10.2018</a:t>
             </a:fld>
             <a:endParaRPr lang="ru-RU"/>
           </a:p>
@@ -1369,7 +1266,7 @@
           <a:p>
             <a:fld id="{C14F4D0B-68E4-4C14-BD4D-319F9BD213A3}" type="datetimeFigureOut">
               <a:rPr lang="ru-RU" smtClean="0"/>
-              <a:t>03.10.2018</a:t>
+              <a:t>04.10.2018</a:t>
             </a:fld>
             <a:endParaRPr lang="ru-RU"/>
           </a:p>
@@ -1539,7 +1436,7 @@
           <a:p>
             <a:fld id="{C14F4D0B-68E4-4C14-BD4D-319F9BD213A3}" type="datetimeFigureOut">
               <a:rPr lang="ru-RU" smtClean="0"/>
-              <a:t>03.10.2018</a:t>
+              <a:t>04.10.2018</a:t>
             </a:fld>
             <a:endParaRPr lang="ru-RU"/>
           </a:p>
@@ -1790,7 +1687,7 @@
           <a:p>
             <a:fld id="{C14F4D0B-68E4-4C14-BD4D-319F9BD213A3}" type="datetimeFigureOut">
               <a:rPr lang="ru-RU" smtClean="0"/>
-              <a:t>03.10.2018</a:t>
+              <a:t>04.10.2018</a:t>
             </a:fld>
             <a:endParaRPr lang="ru-RU"/>
           </a:p>
@@ -2022,7 +1919,7 @@
           <a:p>
             <a:fld id="{C14F4D0B-68E4-4C14-BD4D-319F9BD213A3}" type="datetimeFigureOut">
               <a:rPr lang="ru-RU" smtClean="0"/>
-              <a:t>03.10.2018</a:t>
+              <a:t>04.10.2018</a:t>
             </a:fld>
             <a:endParaRPr lang="ru-RU"/>
           </a:p>
@@ -2369,7 +2266,7 @@
           <a:p>
             <a:fld id="{C14F4D0B-68E4-4C14-BD4D-319F9BD213A3}" type="datetimeFigureOut">
               <a:rPr lang="ru-RU" smtClean="0"/>
-              <a:t>03.10.2018</a:t>
+              <a:t>04.10.2018</a:t>
             </a:fld>
             <a:endParaRPr lang="ru-RU"/>
           </a:p>
@@ -2487,7 +2384,7 @@
           <a:p>
             <a:fld id="{C14F4D0B-68E4-4C14-BD4D-319F9BD213A3}" type="datetimeFigureOut">
               <a:rPr lang="ru-RU" smtClean="0"/>
-              <a:t>03.10.2018</a:t>
+              <a:t>04.10.2018</a:t>
             </a:fld>
             <a:endParaRPr lang="ru-RU"/>
           </a:p>
@@ -2605,7 +2502,7 @@
           <a:p>
             <a:fld id="{C14F4D0B-68E4-4C14-BD4D-319F9BD213A3}" type="datetimeFigureOut">
               <a:rPr lang="ru-RU" smtClean="0"/>
-              <a:t>03.10.2018</a:t>
+              <a:t>04.10.2018</a:t>
             </a:fld>
             <a:endParaRPr lang="ru-RU"/>
           </a:p>
@@ -2889,7 +2786,7 @@
           <a:p>
             <a:fld id="{C14F4D0B-68E4-4C14-BD4D-319F9BD213A3}" type="datetimeFigureOut">
               <a:rPr lang="ru-RU" smtClean="0"/>
-              <a:t>03.10.2018</a:t>
+              <a:t>04.10.2018</a:t>
             </a:fld>
             <a:endParaRPr lang="ru-RU"/>
           </a:p>
@@ -3153,7 +3050,7 @@
           <a:p>
             <a:fld id="{C14F4D0B-68E4-4C14-BD4D-319F9BD213A3}" type="datetimeFigureOut">
               <a:rPr lang="ru-RU" smtClean="0"/>
-              <a:t>03.10.2018</a:t>
+              <a:t>04.10.2018</a:t>
             </a:fld>
             <a:endParaRPr lang="ru-RU"/>
           </a:p>
@@ -3367,7 +3264,7 @@
           <a:p>
             <a:fld id="{C14F4D0B-68E4-4C14-BD4D-319F9BD213A3}" type="datetimeFigureOut">
               <a:rPr lang="ru-RU" smtClean="0"/>
-              <a:t>03.10.2018</a:t>
+              <a:t>04.10.2018</a:t>
             </a:fld>
             <a:endParaRPr lang="ru-RU"/>
           </a:p>
@@ -4418,11 +4315,7 @@
             </a:pPr>
             <a:r>
               <a:rPr lang="ru-RU" sz="2800" dirty="0" smtClean="0"/>
-              <a:t>Отобразить </a:t>
-            </a:r>
-            <a:r>
-              <a:rPr lang="ru-RU" sz="2800" dirty="0" smtClean="0"/>
-              <a:t>корреляционную матрицу;</a:t>
+              <a:t>Отобразить корреляционную матрицу;</a:t>
             </a:r>
           </a:p>
           <a:p>
@@ -4435,11 +4328,7 @@
             </a:r>
             <a:r>
               <a:rPr lang="en-US" sz="2800" dirty="0" smtClean="0"/>
-              <a:t>GDP </a:t>
-            </a:r>
-            <a:r>
-              <a:rPr lang="en-US" sz="2800" dirty="0" smtClean="0"/>
-              <a:t>per capita</a:t>
+              <a:t>GDP per capita</a:t>
             </a:r>
             <a:r>
               <a:rPr lang="ru-RU" sz="2800" dirty="0" smtClean="0"/>
@@ -4451,11 +4340,7 @@
             </a:r>
             <a:r>
               <a:rPr lang="ru-RU" sz="2800" dirty="0" smtClean="0"/>
-              <a:t> к плотности </a:t>
-            </a:r>
-            <a:r>
-              <a:rPr lang="ru-RU" sz="2800" dirty="0" smtClean="0"/>
-              <a:t>населения</a:t>
+              <a:t> к плотности населения</a:t>
             </a:r>
             <a:r>
               <a:rPr lang="uk-UA" sz="2800" dirty="0" smtClean="0"/>
@@ -4475,11 +4360,7 @@
             </a:r>
             <a:r>
               <a:rPr lang="ru-RU" sz="2800" dirty="0" smtClean="0"/>
-              <a:t>ы рассеивания</a:t>
-            </a:r>
-            <a:r>
-              <a:rPr lang="ru-RU" sz="2800" dirty="0" smtClean="0"/>
-              <a:t>;</a:t>
+              <a:t>ы рассеивания;</a:t>
             </a:r>
           </a:p>
           <a:p>
@@ -4531,7 +4412,6 @@
               <a:rPr lang="ru-RU" sz="2800" dirty="0" smtClean="0"/>
               <a:t>населения, сравнить с существующим значением.</a:t>
             </a:r>
-            <a:endParaRPr lang="ru-RU" sz="2800" dirty="0" smtClean="0"/>
           </a:p>
           <a:p>
             <a:r>
@@ -5242,274 +5122,6 @@
     <p:extLst>
       <p:ext uri="{BB962C8B-B14F-4D97-AF65-F5344CB8AC3E}">
         <p14:creationId xmlns:p14="http://schemas.microsoft.com/office/powerpoint/2010/main" val="3220788664"/>
-      </p:ext>
-    </p:extLst>
-  </p:cSld>
-  <p:clrMapOvr>
-    <a:masterClrMapping/>
-  </p:clrMapOvr>
-  <p:timing>
-    <p:tnLst>
-      <p:par>
-        <p:cTn id="1" dur="indefinite" restart="never" nodeType="tmRoot"/>
-      </p:par>
-    </p:tnLst>
-  </p:timing>
-</p:sld>
-</file>
-
-<file path=ppt/slides/slide5.xml><?xml version="1.0" encoding="utf-8"?>
-<p:sld xmlns:a="http://schemas.openxmlformats.org/drawingml/2006/main" xmlns:r="http://schemas.openxmlformats.org/officeDocument/2006/relationships" xmlns:p="http://schemas.openxmlformats.org/presentationml/2006/main">
-  <p:cSld>
-    <p:spTree>
-      <p:nvGrpSpPr>
-        <p:cNvPr id="1" name=""/>
-        <p:cNvGrpSpPr/>
-        <p:nvPr/>
-      </p:nvGrpSpPr>
-      <p:grpSpPr>
-        <a:xfrm>
-          <a:off x="0" y="0"/>
-          <a:ext cx="0" cy="0"/>
-          <a:chOff x="0" y="0"/>
-          <a:chExt cx="0" cy="0"/>
-        </a:xfrm>
-      </p:grpSpPr>
-      <p:grpSp>
-        <p:nvGrpSpPr>
-          <p:cNvPr id="9" name="Группа 8"/>
-          <p:cNvGrpSpPr/>
-          <p:nvPr/>
-        </p:nvGrpSpPr>
-        <p:grpSpPr>
-          <a:xfrm>
-            <a:off x="240030" y="759941"/>
-            <a:ext cx="8583930" cy="83408"/>
-            <a:chOff x="240030" y="759941"/>
-            <a:chExt cx="8583930" cy="83408"/>
-          </a:xfrm>
-        </p:grpSpPr>
-        <p:cxnSp>
-          <p:nvCxnSpPr>
-            <p:cNvPr id="2" name="Прямая соединительная линия 1"/>
-            <p:cNvCxnSpPr/>
-            <p:nvPr/>
-          </p:nvCxnSpPr>
-          <p:spPr>
-            <a:xfrm>
-              <a:off x="560070" y="759941"/>
-              <a:ext cx="8263890" cy="0"/>
-            </a:xfrm>
-            <a:prstGeom prst="line">
-              <a:avLst/>
-            </a:prstGeom>
-            <a:ln w="76200" cap="flat" cmpd="sng" algn="ctr">
-              <a:solidFill>
-                <a:srgbClr val="0064B5"/>
-              </a:solidFill>
-              <a:prstDash val="solid"/>
-              <a:round/>
-              <a:headEnd type="none" w="med" len="sm"/>
-              <a:tailEnd type="none" w="med" len="sm"/>
-            </a:ln>
-          </p:spPr>
-          <p:style>
-            <a:lnRef idx="1">
-              <a:schemeClr val="accent1"/>
-            </a:lnRef>
-            <a:fillRef idx="0">
-              <a:schemeClr val="accent1"/>
-            </a:fillRef>
-            <a:effectRef idx="0">
-              <a:schemeClr val="accent1"/>
-            </a:effectRef>
-            <a:fontRef idx="minor">
-              <a:schemeClr val="tx1"/>
-            </a:fontRef>
-          </p:style>
-        </p:cxnSp>
-        <p:cxnSp>
-          <p:nvCxnSpPr>
-            <p:cNvPr id="3" name="Прямая соединительная линия 2"/>
-            <p:cNvCxnSpPr/>
-            <p:nvPr/>
-          </p:nvCxnSpPr>
-          <p:spPr>
-            <a:xfrm>
-              <a:off x="240030" y="843349"/>
-              <a:ext cx="8286750" cy="0"/>
-            </a:xfrm>
-            <a:prstGeom prst="line">
-              <a:avLst/>
-            </a:prstGeom>
-            <a:ln w="76200" cap="flat" cmpd="sng" algn="ctr">
-              <a:solidFill>
-                <a:srgbClr val="F5A200"/>
-              </a:solidFill>
-              <a:prstDash val="solid"/>
-              <a:round/>
-              <a:headEnd type="none" w="med" len="sm"/>
-              <a:tailEnd type="none" w="med" len="sm"/>
-            </a:ln>
-          </p:spPr>
-          <p:style>
-            <a:lnRef idx="1">
-              <a:schemeClr val="accent1"/>
-            </a:lnRef>
-            <a:fillRef idx="0">
-              <a:schemeClr val="accent1"/>
-            </a:fillRef>
-            <a:effectRef idx="0">
-              <a:schemeClr val="accent1"/>
-            </a:effectRef>
-            <a:fontRef idx="minor">
-              <a:schemeClr val="tx1"/>
-            </a:fontRef>
-          </p:style>
-        </p:cxnSp>
-      </p:grpSp>
-      <p:sp>
-        <p:nvSpPr>
-          <p:cNvPr id="5" name="TextBox 4"/>
-          <p:cNvSpPr txBox="1"/>
-          <p:nvPr/>
-        </p:nvSpPr>
-        <p:spPr>
-          <a:xfrm>
-            <a:off x="491506" y="135310"/>
-            <a:ext cx="8504712" cy="629326"/>
-          </a:xfrm>
-          <a:prstGeom prst="rect">
-            <a:avLst/>
-          </a:prstGeom>
-          <a:noFill/>
-        </p:spPr>
-        <p:txBody>
-          <a:bodyPr vert="horz" wrap="square" lIns="74600" tIns="37300" rIns="74600" bIns="37300" rtlCol="0">
-            <a:spAutoFit/>
-          </a:bodyPr>
-          <a:lstStyle/>
-          <a:p>
-            <a:r>
-              <a:rPr lang="ru-RU" sz="3600" b="1" dirty="0" smtClean="0">
-                <a:solidFill>
-                  <a:srgbClr val="0064B5"/>
-                </a:solidFill>
-                <a:latin typeface="Arial" pitchFamily="34" charset="0"/>
-                <a:cs typeface="Arial" pitchFamily="34" charset="0"/>
-              </a:rPr>
-              <a:t>Задание</a:t>
-            </a:r>
-            <a:r>
-              <a:rPr lang="en-US" sz="3600" b="1" dirty="0" smtClean="0">
-                <a:solidFill>
-                  <a:srgbClr val="0064B5"/>
-                </a:solidFill>
-                <a:latin typeface="Arial" pitchFamily="34" charset="0"/>
-                <a:cs typeface="Arial" pitchFamily="34" charset="0"/>
-              </a:rPr>
-              <a:t> 1</a:t>
-            </a:r>
-            <a:endParaRPr lang="ru-RU" sz="3600" b="1" dirty="0">
-              <a:solidFill>
-                <a:srgbClr val="0064B5"/>
-              </a:solidFill>
-              <a:latin typeface="Arial" pitchFamily="34" charset="0"/>
-              <a:cs typeface="Arial" pitchFamily="34" charset="0"/>
-            </a:endParaRPr>
-          </a:p>
-        </p:txBody>
-      </p:sp>
-      <p:sp>
-        <p:nvSpPr>
-          <p:cNvPr id="4" name="Прямоугольник 3"/>
-          <p:cNvSpPr/>
-          <p:nvPr/>
-        </p:nvSpPr>
-        <p:spPr>
-          <a:xfrm>
-            <a:off x="174140" y="922063"/>
-            <a:ext cx="8649820" cy="2308324"/>
-          </a:xfrm>
-          <a:prstGeom prst="rect">
-            <a:avLst/>
-          </a:prstGeom>
-        </p:spPr>
-        <p:txBody>
-          <a:bodyPr wrap="square">
-            <a:spAutoFit/>
-          </a:bodyPr>
-          <a:lstStyle/>
-          <a:p>
-            <a:r>
-              <a:rPr lang="ru-RU" sz="2400" b="1" dirty="0" smtClean="0"/>
-              <a:t>Изучить данные в файлах </a:t>
-            </a:r>
-            <a:r>
-              <a:rPr lang="en-US" sz="2400" b="1" dirty="0"/>
-              <a:t>DataDay5-1.csv </a:t>
-            </a:r>
-            <a:r>
-              <a:rPr lang="ru-RU" sz="2400" b="1" dirty="0" smtClean="0"/>
-              <a:t>и </a:t>
-            </a:r>
-            <a:r>
-              <a:rPr lang="en-US" sz="2400" b="1" dirty="0"/>
-              <a:t>DataDay5-2.csv </a:t>
-            </a:r>
-            <a:r>
-              <a:rPr lang="ru-RU" sz="2400" b="1" dirty="0" smtClean="0"/>
-              <a:t>и выполнить задания: </a:t>
-            </a:r>
-          </a:p>
-          <a:p>
-            <a:pPr marL="457200" indent="-457200">
-              <a:buAutoNum type="arabicPeriod"/>
-            </a:pPr>
-            <a:r>
-              <a:rPr lang="ru-RU" sz="2400" dirty="0" smtClean="0"/>
-              <a:t>Исследовать коэффициент корреляции для каждого набора</a:t>
-            </a:r>
-            <a:r>
-              <a:rPr lang="en-US" sz="2400" dirty="0"/>
-              <a:t>;</a:t>
-            </a:r>
-            <a:endParaRPr lang="ru-RU" sz="2400" dirty="0" smtClean="0"/>
-          </a:p>
-          <a:p>
-            <a:pPr marL="457200" indent="-457200">
-              <a:buAutoNum type="arabicPeriod"/>
-            </a:pPr>
-            <a:r>
-              <a:rPr lang="ru-RU" sz="2400" dirty="0" smtClean="0"/>
-              <a:t>Построить графики рассеивания</a:t>
-            </a:r>
-            <a:r>
-              <a:rPr lang="en-US" sz="2400" dirty="0" smtClean="0"/>
-              <a:t>;</a:t>
-            </a:r>
-            <a:endParaRPr lang="ru-RU" sz="2400" dirty="0" smtClean="0"/>
-          </a:p>
-          <a:p>
-            <a:pPr marL="457200" indent="-457200">
-              <a:buAutoNum type="arabicPeriod"/>
-            </a:pPr>
-            <a:r>
-              <a:rPr lang="ru-RU" sz="2400" dirty="0" smtClean="0"/>
-              <a:t>Построить наиболее подходящую функцию регрессии </a:t>
-            </a:r>
-            <a:r>
-              <a:rPr lang="en-US" sz="2400" dirty="0" smtClean="0"/>
-              <a:t>par2=f(par1).</a:t>
-            </a:r>
-            <a:endParaRPr lang="en-US" sz="2400" dirty="0"/>
-          </a:p>
-        </p:txBody>
-      </p:sp>
-    </p:spTree>
-    <p:extLst>
-      <p:ext uri="{BB962C8B-B14F-4D97-AF65-F5344CB8AC3E}">
-        <p14:creationId xmlns:p14="http://schemas.microsoft.com/office/powerpoint/2010/main" val="410717567"/>
       </p:ext>
     </p:extLst>
   </p:cSld>
